--- a/Pres/Patterns/TemplateMethod.pptx
+++ b/Pres/Patterns/TemplateMethod.pptx
@@ -8,7 +8,7 @@
     <p:sldId id="271" r:id="rId2"/>
     <p:sldId id="437" r:id="rId3"/>
     <p:sldId id="454" r:id="rId4"/>
-    <p:sldId id="436" r:id="rId5"/>
+    <p:sldId id="481" r:id="rId5"/>
     <p:sldId id="444" r:id="rId6"/>
     <p:sldId id="455" r:id="rId7"/>
     <p:sldId id="456" r:id="rId8"/>
@@ -30,9 +30,10 @@
     <p:sldId id="479" r:id="rId24"/>
     <p:sldId id="472" r:id="rId25"/>
     <p:sldId id="473" r:id="rId26"/>
-    <p:sldId id="480" r:id="rId27"/>
-    <p:sldId id="474" r:id="rId28"/>
-    <p:sldId id="475" r:id="rId29"/>
+    <p:sldId id="474" r:id="rId27"/>
+    <p:sldId id="482" r:id="rId28"/>
+    <p:sldId id="480" r:id="rId29"/>
+    <p:sldId id="475" r:id="rId30"/>
   </p:sldIdLst>
   <p:sldSz cx="12192000" cy="6858000"/>
   <p:notesSz cx="6858000" cy="9144000"/>
@@ -270,7 +271,7 @@
           <a:p>
             <a:fld id="{E15B7D8E-2A20-4C0E-991C-872DBB7459A8}" type="datetimeFigureOut">
               <a:rPr lang="da-DK" smtClean="0"/>
-              <a:t>16-04-2018</a:t>
+              <a:t>17-04-2018</a:t>
             </a:fld>
             <a:endParaRPr lang="da-DK"/>
           </a:p>
@@ -440,7 +441,7 @@
           <a:p>
             <a:fld id="{E15B7D8E-2A20-4C0E-991C-872DBB7459A8}" type="datetimeFigureOut">
               <a:rPr lang="da-DK" smtClean="0"/>
-              <a:t>16-04-2018</a:t>
+              <a:t>17-04-2018</a:t>
             </a:fld>
             <a:endParaRPr lang="da-DK"/>
           </a:p>
@@ -620,7 +621,7 @@
           <a:p>
             <a:fld id="{E15B7D8E-2A20-4C0E-991C-872DBB7459A8}" type="datetimeFigureOut">
               <a:rPr lang="da-DK" smtClean="0"/>
-              <a:t>16-04-2018</a:t>
+              <a:t>17-04-2018</a:t>
             </a:fld>
             <a:endParaRPr lang="da-DK"/>
           </a:p>
@@ -790,7 +791,7 @@
           <a:p>
             <a:fld id="{E15B7D8E-2A20-4C0E-991C-872DBB7459A8}" type="datetimeFigureOut">
               <a:rPr lang="da-DK" smtClean="0"/>
-              <a:t>16-04-2018</a:t>
+              <a:t>17-04-2018</a:t>
             </a:fld>
             <a:endParaRPr lang="da-DK"/>
           </a:p>
@@ -1036,7 +1037,7 @@
           <a:p>
             <a:fld id="{E15B7D8E-2A20-4C0E-991C-872DBB7459A8}" type="datetimeFigureOut">
               <a:rPr lang="da-DK" smtClean="0"/>
-              <a:t>16-04-2018</a:t>
+              <a:t>17-04-2018</a:t>
             </a:fld>
             <a:endParaRPr lang="da-DK"/>
           </a:p>
@@ -1268,7 +1269,7 @@
           <a:p>
             <a:fld id="{E15B7D8E-2A20-4C0E-991C-872DBB7459A8}" type="datetimeFigureOut">
               <a:rPr lang="da-DK" smtClean="0"/>
-              <a:t>16-04-2018</a:t>
+              <a:t>17-04-2018</a:t>
             </a:fld>
             <a:endParaRPr lang="da-DK"/>
           </a:p>
@@ -1635,7 +1636,7 @@
           <a:p>
             <a:fld id="{E15B7D8E-2A20-4C0E-991C-872DBB7459A8}" type="datetimeFigureOut">
               <a:rPr lang="da-DK" smtClean="0"/>
-              <a:t>16-04-2018</a:t>
+              <a:t>17-04-2018</a:t>
             </a:fld>
             <a:endParaRPr lang="da-DK"/>
           </a:p>
@@ -1753,7 +1754,7 @@
           <a:p>
             <a:fld id="{E15B7D8E-2A20-4C0E-991C-872DBB7459A8}" type="datetimeFigureOut">
               <a:rPr lang="da-DK" smtClean="0"/>
-              <a:t>16-04-2018</a:t>
+              <a:t>17-04-2018</a:t>
             </a:fld>
             <a:endParaRPr lang="da-DK"/>
           </a:p>
@@ -1848,7 +1849,7 @@
           <a:p>
             <a:fld id="{E15B7D8E-2A20-4C0E-991C-872DBB7459A8}" type="datetimeFigureOut">
               <a:rPr lang="da-DK" smtClean="0"/>
-              <a:t>16-04-2018</a:t>
+              <a:t>17-04-2018</a:t>
             </a:fld>
             <a:endParaRPr lang="da-DK"/>
           </a:p>
@@ -2125,7 +2126,7 @@
           <a:p>
             <a:fld id="{E15B7D8E-2A20-4C0E-991C-872DBB7459A8}" type="datetimeFigureOut">
               <a:rPr lang="da-DK" smtClean="0"/>
-              <a:t>16-04-2018</a:t>
+              <a:t>17-04-2018</a:t>
             </a:fld>
             <a:endParaRPr lang="da-DK"/>
           </a:p>
@@ -2378,7 +2379,7 @@
           <a:p>
             <a:fld id="{E15B7D8E-2A20-4C0E-991C-872DBB7459A8}" type="datetimeFigureOut">
               <a:rPr lang="da-DK" smtClean="0"/>
-              <a:t>16-04-2018</a:t>
+              <a:t>17-04-2018</a:t>
             </a:fld>
             <a:endParaRPr lang="da-DK"/>
           </a:p>
@@ -2591,7 +2592,7 @@
           <a:p>
             <a:fld id="{E15B7D8E-2A20-4C0E-991C-872DBB7459A8}" type="datetimeFigureOut">
               <a:rPr lang="da-DK" smtClean="0"/>
-              <a:t>16-04-2018</a:t>
+              <a:t>17-04-2018</a:t>
             </a:fld>
             <a:endParaRPr lang="da-DK"/>
           </a:p>
@@ -3195,7 +3196,13 @@
               <a:rPr lang="da-DK" sz="2000" b="1" smtClean="0">
                 <a:latin typeface="Consolas" panose="020B0609020204030204" pitchFamily="49" charset="0"/>
               </a:rPr>
-              <a:t>   fighterA.Reset</a:t>
+              <a:t>   </a:t>
+            </a:r>
+            <a:r>
+              <a:rPr lang="da-DK" sz="2000" b="1" smtClean="0">
+                <a:latin typeface="Consolas" panose="020B0609020204030204" pitchFamily="49" charset="0"/>
+              </a:rPr>
+              <a:t>fa.Reset</a:t>
             </a:r>
             <a:r>
               <a:rPr lang="da-DK" sz="2000" b="1">
@@ -3209,7 +3216,13 @@
               <a:rPr lang="da-DK" sz="2000" b="1" smtClean="0">
                 <a:latin typeface="Consolas" panose="020B0609020204030204" pitchFamily="49" charset="0"/>
               </a:rPr>
-              <a:t>   fighterB.Reset</a:t>
+              <a:t>   </a:t>
+            </a:r>
+            <a:r>
+              <a:rPr lang="da-DK" sz="2000" b="1" smtClean="0">
+                <a:latin typeface="Consolas" panose="020B0609020204030204" pitchFamily="49" charset="0"/>
+              </a:rPr>
+              <a:t>fb.Reset</a:t>
             </a:r>
             <a:r>
               <a:rPr lang="da-DK" sz="2000" b="1">
@@ -3293,7 +3306,7 @@
               <a:rPr lang="da-DK" sz="2000" b="1" smtClean="0">
                 <a:latin typeface="Consolas" panose="020B0609020204030204" pitchFamily="49" charset="0"/>
               </a:rPr>
-              <a:t>fighterA.Stop </a:t>
+              <a:t>fa.Stop </a:t>
             </a:r>
             <a:r>
               <a:rPr lang="da-DK" sz="2000" b="1">
@@ -3305,7 +3318,7 @@
               <a:rPr lang="da-DK" sz="2000" b="1" smtClean="0">
                 <a:latin typeface="Consolas" panose="020B0609020204030204" pitchFamily="49" charset="0"/>
               </a:rPr>
-              <a:t>fighterB.Stop</a:t>
+              <a:t>fb.Stop</a:t>
             </a:r>
             <a:r>
               <a:rPr lang="da-DK" sz="2000" b="1">
@@ -3336,14 +3349,17 @@
               <a:rPr lang="da-DK" sz="2000" b="1" smtClean="0">
                 <a:latin typeface="Consolas" panose="020B0609020204030204" pitchFamily="49" charset="0"/>
               </a:rPr>
-              <a:t>      ExchangeBlows(fighterA</a:t>
-            </a:r>
-            <a:r>
-              <a:rPr lang="da-DK" sz="2000" b="1">
-                <a:latin typeface="Consolas" panose="020B0609020204030204" pitchFamily="49" charset="0"/>
-              </a:rPr>
-              <a:t>, fighterB);</a:t>
-            </a:r>
+              <a:t>      </a:t>
+            </a:r>
+            <a:r>
+              <a:rPr lang="da-DK" sz="2000" b="1" smtClean="0">
+                <a:latin typeface="Consolas" panose="020B0609020204030204" pitchFamily="49" charset="0"/>
+              </a:rPr>
+              <a:t>ExchangeBlows(fa, fb);</a:t>
+            </a:r>
+            <a:endParaRPr lang="da-DK" sz="2000" b="1">
+              <a:latin typeface="Consolas" panose="020B0609020204030204" pitchFamily="49" charset="0"/>
+            </a:endParaRPr>
           </a:p>
           <a:p>
             <a:r>
@@ -9003,6 +9019,491 @@
       </p:grpSpPr>
       <p:sp>
         <p:nvSpPr>
+          <p:cNvPr id="3" name="Tekstfelt 2"/>
+          <p:cNvSpPr txBox="1"/>
+          <p:nvPr/>
+        </p:nvSpPr>
+        <p:spPr>
+          <a:xfrm>
+            <a:off x="962526" y="1012925"/>
+            <a:ext cx="9962861" cy="1754326"/>
+          </a:xfrm>
+          <a:prstGeom prst="rect">
+            <a:avLst/>
+          </a:prstGeom>
+          <a:noFill/>
+        </p:spPr>
+        <p:txBody>
+          <a:bodyPr wrap="square" rtlCol="0">
+            <a:spAutoFit/>
+          </a:bodyPr>
+          <a:lstStyle/>
+          <a:p>
+            <a:r>
+              <a:rPr lang="da-DK" sz="3600" b="1" smtClean="0">
+                <a:solidFill>
+                  <a:schemeClr val="accent6">
+                    <a:lumMod val="75000"/>
+                  </a:schemeClr>
+                </a:solidFill>
+                <a:latin typeface="Consolas" panose="020B0609020204030204" pitchFamily="49" charset="0"/>
+              </a:rPr>
+              <a:t>IFightClub</a:t>
+            </a:r>
+            <a:r>
+              <a:rPr lang="da-DK" sz="3600" b="1" smtClean="0">
+                <a:latin typeface="Consolas" panose="020B0609020204030204" pitchFamily="49" charset="0"/>
+              </a:rPr>
+              <a:t> </a:t>
+            </a:r>
+            <a:r>
+              <a:rPr lang="da-DK" sz="3600" b="1">
+                <a:latin typeface="Consolas" panose="020B0609020204030204" pitchFamily="49" charset="0"/>
+              </a:rPr>
+              <a:t>club = </a:t>
+            </a:r>
+            <a:r>
+              <a:rPr lang="da-DK" sz="3600" b="1">
+                <a:solidFill>
+                  <a:srgbClr val="0070C0"/>
+                </a:solidFill>
+                <a:latin typeface="Consolas" panose="020B0609020204030204" pitchFamily="49" charset="0"/>
+              </a:rPr>
+              <a:t>new</a:t>
+            </a:r>
+            <a:r>
+              <a:rPr lang="da-DK" sz="3600" b="1">
+                <a:latin typeface="Consolas" panose="020B0609020204030204" pitchFamily="49" charset="0"/>
+              </a:rPr>
+              <a:t> </a:t>
+            </a:r>
+            <a:r>
+              <a:rPr lang="da-DK" sz="3600" b="1">
+                <a:solidFill>
+                  <a:schemeClr val="accent6">
+                    <a:lumMod val="75000"/>
+                  </a:schemeClr>
+                </a:solidFill>
+                <a:latin typeface="Consolas" panose="020B0609020204030204" pitchFamily="49" charset="0"/>
+              </a:rPr>
+              <a:t>FightClubFair</a:t>
+            </a:r>
+            <a:r>
+              <a:rPr lang="da-DK" sz="3600" b="1">
+                <a:latin typeface="Consolas" panose="020B0609020204030204" pitchFamily="49" charset="0"/>
+              </a:rPr>
+              <a:t>();</a:t>
+            </a:r>
+          </a:p>
+          <a:p>
+            <a:r>
+              <a:rPr lang="da-DK" sz="3600" b="1" smtClean="0">
+                <a:solidFill>
+                  <a:schemeClr val="accent6">
+                    <a:lumMod val="75000"/>
+                  </a:schemeClr>
+                </a:solidFill>
+                <a:latin typeface="Consolas" panose="020B0609020204030204" pitchFamily="49" charset="0"/>
+              </a:rPr>
+              <a:t>Client</a:t>
+            </a:r>
+            <a:r>
+              <a:rPr lang="da-DK" sz="3600" b="1" smtClean="0">
+                <a:latin typeface="Consolas" panose="020B0609020204030204" pitchFamily="49" charset="0"/>
+              </a:rPr>
+              <a:t> </a:t>
+            </a:r>
+            <a:r>
+              <a:rPr lang="da-DK" sz="3600" b="1">
+                <a:latin typeface="Consolas" panose="020B0609020204030204" pitchFamily="49" charset="0"/>
+              </a:rPr>
+              <a:t>c = </a:t>
+            </a:r>
+            <a:r>
+              <a:rPr lang="da-DK" sz="3600" b="1">
+                <a:solidFill>
+                  <a:srgbClr val="0070C0"/>
+                </a:solidFill>
+                <a:latin typeface="Consolas" panose="020B0609020204030204" pitchFamily="49" charset="0"/>
+              </a:rPr>
+              <a:t>new</a:t>
+            </a:r>
+            <a:r>
+              <a:rPr lang="da-DK" sz="3600" b="1">
+                <a:latin typeface="Consolas" panose="020B0609020204030204" pitchFamily="49" charset="0"/>
+              </a:rPr>
+              <a:t> </a:t>
+            </a:r>
+            <a:r>
+              <a:rPr lang="da-DK" sz="3600" b="1">
+                <a:solidFill>
+                  <a:schemeClr val="accent6">
+                    <a:lumMod val="75000"/>
+                  </a:schemeClr>
+                </a:solidFill>
+                <a:latin typeface="Consolas" panose="020B0609020204030204" pitchFamily="49" charset="0"/>
+              </a:rPr>
+              <a:t>Client</a:t>
+            </a:r>
+            <a:r>
+              <a:rPr lang="da-DK" sz="3600" b="1">
+                <a:latin typeface="Consolas" panose="020B0609020204030204" pitchFamily="49" charset="0"/>
+              </a:rPr>
+              <a:t>(club);</a:t>
+            </a:r>
+          </a:p>
+          <a:p>
+            <a:r>
+              <a:rPr lang="da-DK" sz="3600" b="1" smtClean="0">
+                <a:latin typeface="Consolas" panose="020B0609020204030204" pitchFamily="49" charset="0"/>
+              </a:rPr>
+              <a:t>c.Run();</a:t>
+            </a:r>
+            <a:endParaRPr lang="da-DK" sz="3600" b="1">
+              <a:latin typeface="Consolas" panose="020B0609020204030204" pitchFamily="49" charset="0"/>
+            </a:endParaRPr>
+          </a:p>
+        </p:txBody>
+      </p:sp>
+    </p:spTree>
+    <p:extLst>
+      <p:ext uri="{BB962C8B-B14F-4D97-AF65-F5344CB8AC3E}">
+        <p14:creationId xmlns:p14="http://schemas.microsoft.com/office/powerpoint/2010/main" val="765906224"/>
+      </p:ext>
+    </p:extLst>
+  </p:cSld>
+  <p:clrMapOvr>
+    <a:masterClrMapping/>
+  </p:clrMapOvr>
+  <mc:AlternateContent xmlns:mc="http://schemas.openxmlformats.org/markup-compatibility/2006" xmlns:p14="http://schemas.microsoft.com/office/powerpoint/2010/main">
+    <mc:Choice Requires="p14">
+      <p:transition p14:dur="0"/>
+    </mc:Choice>
+    <mc:Fallback xmlns="">
+      <p:transition/>
+    </mc:Fallback>
+  </mc:AlternateContent>
+  <p:timing>
+    <p:tnLst>
+      <p:par>
+        <p:cTn id="1" dur="indefinite" restart="never" nodeType="tmRoot"/>
+      </p:par>
+    </p:tnLst>
+  </p:timing>
+</p:sld>
+</file>
+
+<file path=ppt/slides/slide27.xml><?xml version="1.0" encoding="utf-8"?>
+<p:sld xmlns:a="http://schemas.openxmlformats.org/drawingml/2006/main" xmlns:r="http://schemas.openxmlformats.org/officeDocument/2006/relationships" xmlns:p="http://schemas.openxmlformats.org/presentationml/2006/main">
+  <p:cSld>
+    <p:spTree>
+      <p:nvGrpSpPr>
+        <p:cNvPr id="1" name=""/>
+        <p:cNvGrpSpPr/>
+        <p:nvPr/>
+      </p:nvGrpSpPr>
+      <p:grpSpPr>
+        <a:xfrm>
+          <a:off x="0" y="0"/>
+          <a:ext cx="0" cy="0"/>
+          <a:chOff x="0" y="0"/>
+          <a:chExt cx="0" cy="0"/>
+        </a:xfrm>
+      </p:grpSpPr>
+      <p:sp>
+        <p:nvSpPr>
+          <p:cNvPr id="11" name="Afrundet rektangel 10"/>
+          <p:cNvSpPr/>
+          <p:nvPr/>
+        </p:nvSpPr>
+        <p:spPr>
+          <a:xfrm>
+            <a:off x="834568" y="3845957"/>
+            <a:ext cx="1800460" cy="918098"/>
+          </a:xfrm>
+          <a:prstGeom prst="roundRect">
+            <a:avLst/>
+          </a:prstGeom>
+          <a:solidFill>
+            <a:srgbClr val="C00000"/>
+          </a:solidFill>
+        </p:spPr>
+        <p:style>
+          <a:lnRef idx="2">
+            <a:schemeClr val="accent1">
+              <a:shade val="50000"/>
+            </a:schemeClr>
+          </a:lnRef>
+          <a:fillRef idx="1">
+            <a:schemeClr val="accent1"/>
+          </a:fillRef>
+          <a:effectRef idx="0">
+            <a:schemeClr val="accent1"/>
+          </a:effectRef>
+          <a:fontRef idx="minor">
+            <a:schemeClr val="lt1"/>
+          </a:fontRef>
+        </p:style>
+        <p:txBody>
+          <a:bodyPr rtlCol="0" anchor="t"/>
+          <a:lstStyle/>
+          <a:p>
+            <a:pPr algn="ctr"/>
+            <a:r>
+              <a:rPr lang="da-DK" sz="3600" smtClean="0"/>
+              <a:t>Fighter</a:t>
+            </a:r>
+          </a:p>
+        </p:txBody>
+      </p:sp>
+      <p:sp>
+        <p:nvSpPr>
+          <p:cNvPr id="5" name="Afrundet rektangel 4"/>
+          <p:cNvSpPr/>
+          <p:nvPr/>
+        </p:nvSpPr>
+        <p:spPr>
+          <a:xfrm>
+            <a:off x="4317055" y="1397081"/>
+            <a:ext cx="1800460" cy="1424323"/>
+          </a:xfrm>
+          <a:prstGeom prst="roundRect">
+            <a:avLst/>
+          </a:prstGeom>
+          <a:solidFill>
+            <a:srgbClr val="0070C0">
+              <a:alpha val="40000"/>
+            </a:srgbClr>
+          </a:solidFill>
+        </p:spPr>
+        <p:style>
+          <a:lnRef idx="2">
+            <a:schemeClr val="accent1">
+              <a:shade val="50000"/>
+            </a:schemeClr>
+          </a:lnRef>
+          <a:fillRef idx="1">
+            <a:schemeClr val="accent1"/>
+          </a:fillRef>
+          <a:effectRef idx="0">
+            <a:schemeClr val="accent1"/>
+          </a:effectRef>
+          <a:fontRef idx="minor">
+            <a:schemeClr val="lt1"/>
+          </a:fontRef>
+        </p:style>
+        <p:txBody>
+          <a:bodyPr rtlCol="0" anchor="t"/>
+          <a:lstStyle/>
+          <a:p>
+            <a:pPr algn="ctr"/>
+            <a:r>
+              <a:rPr lang="da-DK" sz="3600" smtClean="0">
+                <a:solidFill>
+                  <a:srgbClr val="FFFF00"/>
+                </a:solidFill>
+              </a:rPr>
+              <a:t>IFight</a:t>
+            </a:r>
+          </a:p>
+          <a:p>
+            <a:pPr algn="ctr"/>
+            <a:r>
+              <a:rPr lang="da-DK" sz="3600" smtClean="0">
+                <a:solidFill>
+                  <a:srgbClr val="FFFF00"/>
+                </a:solidFill>
+              </a:rPr>
+              <a:t>Club</a:t>
+            </a:r>
+          </a:p>
+        </p:txBody>
+      </p:sp>
+      <p:sp>
+        <p:nvSpPr>
+          <p:cNvPr id="8" name="Afrundet rektangel 7"/>
+          <p:cNvSpPr/>
+          <p:nvPr/>
+        </p:nvSpPr>
+        <p:spPr>
+          <a:xfrm>
+            <a:off x="534491" y="1397081"/>
+            <a:ext cx="2400614" cy="1424323"/>
+          </a:xfrm>
+          <a:prstGeom prst="roundRect">
+            <a:avLst/>
+          </a:prstGeom>
+          <a:solidFill>
+            <a:schemeClr val="accent6">
+              <a:lumMod val="75000"/>
+            </a:schemeClr>
+          </a:solidFill>
+        </p:spPr>
+        <p:style>
+          <a:lnRef idx="2">
+            <a:schemeClr val="accent1">
+              <a:shade val="50000"/>
+            </a:schemeClr>
+          </a:lnRef>
+          <a:fillRef idx="1">
+            <a:schemeClr val="accent1"/>
+          </a:fillRef>
+          <a:effectRef idx="0">
+            <a:schemeClr val="accent1"/>
+          </a:effectRef>
+          <a:fontRef idx="minor">
+            <a:schemeClr val="lt1"/>
+          </a:fontRef>
+        </p:style>
+        <p:txBody>
+          <a:bodyPr rtlCol="0" anchor="t"/>
+          <a:lstStyle/>
+          <a:p>
+            <a:pPr algn="ctr"/>
+            <a:r>
+              <a:rPr lang="da-DK" sz="3600" smtClean="0"/>
+              <a:t>Client</a:t>
+            </a:r>
+          </a:p>
+        </p:txBody>
+      </p:sp>
+      <p:cxnSp>
+        <p:nvCxnSpPr>
+          <p:cNvPr id="9" name="Vinklet forbindelse 2"/>
+          <p:cNvCxnSpPr>
+            <a:stCxn id="8" idx="3"/>
+            <a:endCxn id="5" idx="1"/>
+          </p:cNvCxnSpPr>
+          <p:nvPr/>
+        </p:nvCxnSpPr>
+        <p:spPr>
+          <a:xfrm>
+            <a:off x="2935105" y="2109243"/>
+            <a:ext cx="1381950" cy="0"/>
+          </a:xfrm>
+          <a:prstGeom prst="straightConnector1">
+            <a:avLst/>
+          </a:prstGeom>
+          <a:ln w="76200">
+            <a:solidFill>
+              <a:schemeClr val="bg1">
+                <a:lumMod val="50000"/>
+              </a:schemeClr>
+            </a:solidFill>
+            <a:prstDash val="sysDot"/>
+            <a:headEnd w="lg" len="lg"/>
+            <a:tailEnd type="arrow" w="lg" len="lg"/>
+          </a:ln>
+        </p:spPr>
+        <p:style>
+          <a:lnRef idx="1">
+            <a:schemeClr val="accent1"/>
+          </a:lnRef>
+          <a:fillRef idx="0">
+            <a:schemeClr val="accent1"/>
+          </a:fillRef>
+          <a:effectRef idx="0">
+            <a:schemeClr val="accent1"/>
+          </a:effectRef>
+          <a:fontRef idx="minor">
+            <a:schemeClr val="tx1"/>
+          </a:fontRef>
+        </p:style>
+      </p:cxnSp>
+      <p:cxnSp>
+        <p:nvCxnSpPr>
+          <p:cNvPr id="17" name="Vinklet forbindelse 2"/>
+          <p:cNvCxnSpPr>
+            <a:stCxn id="8" idx="2"/>
+            <a:endCxn id="11" idx="0"/>
+          </p:cNvCxnSpPr>
+          <p:nvPr/>
+        </p:nvCxnSpPr>
+        <p:spPr>
+          <a:xfrm>
+            <a:off x="1734798" y="2821404"/>
+            <a:ext cx="0" cy="1024553"/>
+          </a:xfrm>
+          <a:prstGeom prst="straightConnector1">
+            <a:avLst/>
+          </a:prstGeom>
+          <a:ln w="76200">
+            <a:solidFill>
+              <a:schemeClr val="bg1">
+                <a:lumMod val="50000"/>
+              </a:schemeClr>
+            </a:solidFill>
+            <a:prstDash val="sysDot"/>
+            <a:headEnd w="lg" len="lg"/>
+            <a:tailEnd type="arrow" w="lg" len="lg"/>
+          </a:ln>
+        </p:spPr>
+        <p:style>
+          <a:lnRef idx="1">
+            <a:schemeClr val="accent1"/>
+          </a:lnRef>
+          <a:fillRef idx="0">
+            <a:schemeClr val="accent1"/>
+          </a:fillRef>
+          <a:effectRef idx="0">
+            <a:schemeClr val="accent1"/>
+          </a:effectRef>
+          <a:fontRef idx="minor">
+            <a:schemeClr val="tx1"/>
+          </a:fontRef>
+        </p:style>
+      </p:cxnSp>
+    </p:spTree>
+    <p:extLst>
+      <p:ext uri="{BB962C8B-B14F-4D97-AF65-F5344CB8AC3E}">
+        <p14:creationId xmlns:p14="http://schemas.microsoft.com/office/powerpoint/2010/main" val="2755686293"/>
+      </p:ext>
+    </p:extLst>
+  </p:cSld>
+  <p:clrMapOvr>
+    <a:masterClrMapping/>
+  </p:clrMapOvr>
+  <mc:AlternateContent xmlns:mc="http://schemas.openxmlformats.org/markup-compatibility/2006" xmlns:p14="http://schemas.microsoft.com/office/powerpoint/2010/main">
+    <mc:Choice Requires="p14">
+      <p:transition spd="med" p14:dur="700">
+        <p:fade/>
+      </p:transition>
+    </mc:Choice>
+    <mc:Fallback xmlns="">
+      <p:transition spd="med">
+        <p:fade/>
+      </p:transition>
+    </mc:Fallback>
+  </mc:AlternateContent>
+  <p:timing>
+    <p:tnLst>
+      <p:par>
+        <p:cTn id="1" dur="indefinite" restart="never" nodeType="tmRoot"/>
+      </p:par>
+    </p:tnLst>
+  </p:timing>
+</p:sld>
+</file>
+
+<file path=ppt/slides/slide28.xml><?xml version="1.0" encoding="utf-8"?>
+<p:sld xmlns:a="http://schemas.openxmlformats.org/drawingml/2006/main" xmlns:r="http://schemas.openxmlformats.org/officeDocument/2006/relationships" xmlns:p="http://schemas.openxmlformats.org/presentationml/2006/main">
+  <p:cSld>
+    <p:spTree>
+      <p:nvGrpSpPr>
+        <p:cNvPr id="1" name=""/>
+        <p:cNvGrpSpPr/>
+        <p:nvPr/>
+      </p:nvGrpSpPr>
+      <p:grpSpPr>
+        <a:xfrm>
+          <a:off x="0" y="0"/>
+          <a:ext cx="0" cy="0"/>
+          <a:chOff x="0" y="0"/>
+          <a:chExt cx="0" cy="0"/>
+        </a:xfrm>
+      </p:grpSpPr>
+      <p:sp>
+        <p:nvSpPr>
           <p:cNvPr id="14" name="Afrundet rektangel 13"/>
           <p:cNvSpPr/>
           <p:nvPr/>
@@ -9307,464 +9808,6 @@
   <p:timing>
     <p:tnLst>
       <p:par>
-        <p:cTn id="1" dur="indefinite" restart="never" nodeType="tmRoot">
-          <p:childTnLst>
-            <p:seq concurrent="1" nextAc="seek">
-              <p:cTn id="2" dur="indefinite" nodeType="mainSeq">
-                <p:childTnLst>
-                  <p:par>
-                    <p:cTn id="3" fill="hold">
-                      <p:stCondLst>
-                        <p:cond delay="indefinite"/>
-                      </p:stCondLst>
-                      <p:childTnLst>
-                        <p:par>
-                          <p:cTn id="4" fill="hold">
-                            <p:stCondLst>
-                              <p:cond delay="0"/>
-                            </p:stCondLst>
-                            <p:childTnLst>
-                              <p:par>
-                                <p:cTn id="5" presetID="10" presetClass="entr" presetSubtype="0" fill="hold" nodeType="clickEffect">
-                                  <p:stCondLst>
-                                    <p:cond delay="0"/>
-                                  </p:stCondLst>
-                                  <p:childTnLst>
-                                    <p:set>
-                                      <p:cBhvr>
-                                        <p:cTn id="6" dur="1" fill="hold">
-                                          <p:stCondLst>
-                                            <p:cond delay="0"/>
-                                          </p:stCondLst>
-                                        </p:cTn>
-                                        <p:tgtEl>
-                                          <p:spTgt spid="26"/>
-                                        </p:tgtEl>
-                                        <p:attrNameLst>
-                                          <p:attrName>style.visibility</p:attrName>
-                                        </p:attrNameLst>
-                                      </p:cBhvr>
-                                      <p:to>
-                                        <p:strVal val="visible"/>
-                                      </p:to>
-                                    </p:set>
-                                    <p:animEffect transition="in" filter="fade">
-                                      <p:cBhvr>
-                                        <p:cTn id="7" dur="500"/>
-                                        <p:tgtEl>
-                                          <p:spTgt spid="26"/>
-                                        </p:tgtEl>
-                                      </p:cBhvr>
-                                    </p:animEffect>
-                                  </p:childTnLst>
-                                </p:cTn>
-                              </p:par>
-                              <p:par>
-                                <p:cTn id="8" presetID="10" presetClass="entr" presetSubtype="0" fill="hold" grpId="0" nodeType="withEffect">
-                                  <p:stCondLst>
-                                    <p:cond delay="0"/>
-                                  </p:stCondLst>
-                                  <p:childTnLst>
-                                    <p:set>
-                                      <p:cBhvr>
-                                        <p:cTn id="9" dur="1" fill="hold">
-                                          <p:stCondLst>
-                                            <p:cond delay="0"/>
-                                          </p:stCondLst>
-                                        </p:cTn>
-                                        <p:tgtEl>
-                                          <p:spTgt spid="19"/>
-                                        </p:tgtEl>
-                                        <p:attrNameLst>
-                                          <p:attrName>style.visibility</p:attrName>
-                                        </p:attrNameLst>
-                                      </p:cBhvr>
-                                      <p:to>
-                                        <p:strVal val="visible"/>
-                                      </p:to>
-                                    </p:set>
-                                    <p:animEffect transition="in" filter="fade">
-                                      <p:cBhvr>
-                                        <p:cTn id="10" dur="500"/>
-                                        <p:tgtEl>
-                                          <p:spTgt spid="19"/>
-                                        </p:tgtEl>
-                                      </p:cBhvr>
-                                    </p:animEffect>
-                                  </p:childTnLst>
-                                </p:cTn>
-                              </p:par>
-                              <p:par>
-                                <p:cTn id="11" presetID="10" presetClass="entr" presetSubtype="0" fill="hold" nodeType="withEffect">
-                                  <p:stCondLst>
-                                    <p:cond delay="0"/>
-                                  </p:stCondLst>
-                                  <p:childTnLst>
-                                    <p:set>
-                                      <p:cBhvr>
-                                        <p:cTn id="12" dur="1" fill="hold">
-                                          <p:stCondLst>
-                                            <p:cond delay="0"/>
-                                          </p:stCondLst>
-                                        </p:cTn>
-                                        <p:tgtEl>
-                                          <p:spTgt spid="27"/>
-                                        </p:tgtEl>
-                                        <p:attrNameLst>
-                                          <p:attrName>style.visibility</p:attrName>
-                                        </p:attrNameLst>
-                                      </p:cBhvr>
-                                      <p:to>
-                                        <p:strVal val="visible"/>
-                                      </p:to>
-                                    </p:set>
-                                    <p:animEffect transition="in" filter="fade">
-                                      <p:cBhvr>
-                                        <p:cTn id="13" dur="500"/>
-                                        <p:tgtEl>
-                                          <p:spTgt spid="27"/>
-                                        </p:tgtEl>
-                                      </p:cBhvr>
-                                    </p:animEffect>
-                                  </p:childTnLst>
-                                </p:cTn>
-                              </p:par>
-                            </p:childTnLst>
-                          </p:cTn>
-                        </p:par>
-                      </p:childTnLst>
-                    </p:cTn>
-                  </p:par>
-                </p:childTnLst>
-              </p:cTn>
-              <p:prevCondLst>
-                <p:cond evt="onPrev" delay="0">
-                  <p:tgtEl>
-                    <p:sldTgt/>
-                  </p:tgtEl>
-                </p:cond>
-              </p:prevCondLst>
-              <p:nextCondLst>
-                <p:cond evt="onNext" delay="0">
-                  <p:tgtEl>
-                    <p:sldTgt/>
-                  </p:tgtEl>
-                </p:cond>
-              </p:nextCondLst>
-            </p:seq>
-          </p:childTnLst>
-        </p:cTn>
-      </p:par>
-    </p:tnLst>
-    <p:bldLst>
-      <p:bldP spid="19" grpId="0" animBg="1"/>
-    </p:bldLst>
-  </p:timing>
-</p:sld>
-</file>
-
-<file path=ppt/slides/slide27.xml><?xml version="1.0" encoding="utf-8"?>
-<p:sld xmlns:a="http://schemas.openxmlformats.org/drawingml/2006/main" xmlns:r="http://schemas.openxmlformats.org/officeDocument/2006/relationships" xmlns:p="http://schemas.openxmlformats.org/presentationml/2006/main">
-  <p:cSld>
-    <p:spTree>
-      <p:nvGrpSpPr>
-        <p:cNvPr id="1" name=""/>
-        <p:cNvGrpSpPr/>
-        <p:nvPr/>
-      </p:nvGrpSpPr>
-      <p:grpSpPr>
-        <a:xfrm>
-          <a:off x="0" y="0"/>
-          <a:ext cx="0" cy="0"/>
-          <a:chOff x="0" y="0"/>
-          <a:chExt cx="0" cy="0"/>
-        </a:xfrm>
-      </p:grpSpPr>
-      <p:sp>
-        <p:nvSpPr>
-          <p:cNvPr id="3" name="Tekstfelt 2"/>
-          <p:cNvSpPr txBox="1"/>
-          <p:nvPr/>
-        </p:nvSpPr>
-        <p:spPr>
-          <a:xfrm>
-            <a:off x="962526" y="1012925"/>
-            <a:ext cx="9962861" cy="3416320"/>
-          </a:xfrm>
-          <a:prstGeom prst="rect">
-            <a:avLst/>
-          </a:prstGeom>
-          <a:noFill/>
-        </p:spPr>
-        <p:txBody>
-          <a:bodyPr wrap="square" rtlCol="0">
-            <a:spAutoFit/>
-          </a:bodyPr>
-          <a:lstStyle/>
-          <a:p>
-            <a:r>
-              <a:rPr lang="da-DK" sz="2400" b="1" smtClean="0">
-                <a:solidFill>
-                  <a:srgbClr val="0070C0"/>
-                </a:solidFill>
-                <a:latin typeface="Consolas" panose="020B0609020204030204" pitchFamily="49" charset="0"/>
-              </a:rPr>
-              <a:t>public </a:t>
-            </a:r>
-            <a:r>
-              <a:rPr lang="da-DK" sz="2400" b="1">
-                <a:solidFill>
-                  <a:srgbClr val="0070C0"/>
-                </a:solidFill>
-                <a:latin typeface="Consolas" panose="020B0609020204030204" pitchFamily="49" charset="0"/>
-              </a:rPr>
-              <a:t>class </a:t>
-            </a:r>
-            <a:r>
-              <a:rPr lang="da-DK" sz="2400" b="1" smtClean="0">
-                <a:solidFill>
-                  <a:schemeClr val="accent6">
-                    <a:lumMod val="75000"/>
-                  </a:schemeClr>
-                </a:solidFill>
-                <a:latin typeface="Consolas" panose="020B0609020204030204" pitchFamily="49" charset="0"/>
-              </a:rPr>
-              <a:t>Configurator</a:t>
-            </a:r>
-            <a:endParaRPr lang="da-DK" sz="2400" b="1">
-              <a:latin typeface="Consolas" panose="020B0609020204030204" pitchFamily="49" charset="0"/>
-            </a:endParaRPr>
-          </a:p>
-          <a:p>
-            <a:r>
-              <a:rPr lang="da-DK" sz="2400" b="1" smtClean="0">
-                <a:latin typeface="Consolas" panose="020B0609020204030204" pitchFamily="49" charset="0"/>
-              </a:rPr>
-              <a:t>{</a:t>
-            </a:r>
-            <a:endParaRPr lang="da-DK" sz="2400" b="1">
-              <a:latin typeface="Consolas" panose="020B0609020204030204" pitchFamily="49" charset="0"/>
-            </a:endParaRPr>
-          </a:p>
-          <a:p>
-            <a:r>
-              <a:rPr lang="da-DK" sz="2400" b="1" smtClean="0">
-                <a:latin typeface="Consolas" panose="020B0609020204030204" pitchFamily="49" charset="0"/>
-              </a:rPr>
-              <a:t>   </a:t>
-            </a:r>
-            <a:r>
-              <a:rPr lang="da-DK" sz="2400" b="1" smtClean="0">
-                <a:solidFill>
-                  <a:srgbClr val="0070C0"/>
-                </a:solidFill>
-                <a:latin typeface="Consolas" panose="020B0609020204030204" pitchFamily="49" charset="0"/>
-              </a:rPr>
-              <a:t>public</a:t>
-            </a:r>
-            <a:r>
-              <a:rPr lang="da-DK" sz="2400" b="1" smtClean="0">
-                <a:latin typeface="Consolas" panose="020B0609020204030204" pitchFamily="49" charset="0"/>
-              </a:rPr>
-              <a:t> </a:t>
-            </a:r>
-            <a:r>
-              <a:rPr lang="da-DK" sz="2400" b="1" smtClean="0">
-                <a:solidFill>
-                  <a:srgbClr val="0070C0"/>
-                </a:solidFill>
-                <a:latin typeface="Consolas" panose="020B0609020204030204" pitchFamily="49" charset="0"/>
-              </a:rPr>
-              <a:t>void </a:t>
-            </a:r>
-            <a:r>
-              <a:rPr lang="da-DK" sz="2400" b="1" smtClean="0">
-                <a:latin typeface="Consolas" panose="020B0609020204030204" pitchFamily="49" charset="0"/>
-              </a:rPr>
-              <a:t>Run()</a:t>
-            </a:r>
-            <a:endParaRPr lang="da-DK" sz="2400" b="1">
-              <a:latin typeface="Consolas" panose="020B0609020204030204" pitchFamily="49" charset="0"/>
-            </a:endParaRPr>
-          </a:p>
-          <a:p>
-            <a:r>
-              <a:rPr lang="da-DK" sz="2400" b="1" smtClean="0">
-                <a:latin typeface="Consolas" panose="020B0609020204030204" pitchFamily="49" charset="0"/>
-              </a:rPr>
-              <a:t>   {</a:t>
-            </a:r>
-          </a:p>
-          <a:p>
-            <a:r>
-              <a:rPr lang="da-DK" sz="2400" b="1" smtClean="0">
-                <a:solidFill>
-                  <a:schemeClr val="accent6">
-                    <a:lumMod val="75000"/>
-                  </a:schemeClr>
-                </a:solidFill>
-                <a:latin typeface="Consolas" panose="020B0609020204030204" pitchFamily="49" charset="0"/>
-              </a:rPr>
-              <a:t>      IFightClub</a:t>
-            </a:r>
-            <a:r>
-              <a:rPr lang="da-DK" sz="2400" b="1" smtClean="0">
-                <a:latin typeface="Consolas" panose="020B0609020204030204" pitchFamily="49" charset="0"/>
-              </a:rPr>
-              <a:t> </a:t>
-            </a:r>
-            <a:r>
-              <a:rPr lang="da-DK" sz="2400" b="1">
-                <a:latin typeface="Consolas" panose="020B0609020204030204" pitchFamily="49" charset="0"/>
-              </a:rPr>
-              <a:t>club = </a:t>
-            </a:r>
-            <a:r>
-              <a:rPr lang="da-DK" sz="2400" b="1">
-                <a:solidFill>
-                  <a:srgbClr val="0070C0"/>
-                </a:solidFill>
-                <a:latin typeface="Consolas" panose="020B0609020204030204" pitchFamily="49" charset="0"/>
-              </a:rPr>
-              <a:t>new</a:t>
-            </a:r>
-            <a:r>
-              <a:rPr lang="da-DK" sz="2400" b="1">
-                <a:latin typeface="Consolas" panose="020B0609020204030204" pitchFamily="49" charset="0"/>
-              </a:rPr>
-              <a:t> </a:t>
-            </a:r>
-            <a:r>
-              <a:rPr lang="da-DK" sz="2400" b="1">
-                <a:solidFill>
-                  <a:schemeClr val="accent6">
-                    <a:lumMod val="75000"/>
-                  </a:schemeClr>
-                </a:solidFill>
-                <a:latin typeface="Consolas" panose="020B0609020204030204" pitchFamily="49" charset="0"/>
-              </a:rPr>
-              <a:t>FightClubFair</a:t>
-            </a:r>
-            <a:r>
-              <a:rPr lang="da-DK" sz="2400" b="1">
-                <a:latin typeface="Consolas" panose="020B0609020204030204" pitchFamily="49" charset="0"/>
-              </a:rPr>
-              <a:t>();</a:t>
-            </a:r>
-          </a:p>
-          <a:p>
-            <a:r>
-              <a:rPr lang="da-DK" sz="2400" b="1" smtClean="0">
-                <a:solidFill>
-                  <a:schemeClr val="accent6">
-                    <a:lumMod val="75000"/>
-                  </a:schemeClr>
-                </a:solidFill>
-                <a:latin typeface="Consolas" panose="020B0609020204030204" pitchFamily="49" charset="0"/>
-              </a:rPr>
-              <a:t>      Client</a:t>
-            </a:r>
-            <a:r>
-              <a:rPr lang="da-DK" sz="2400" b="1" smtClean="0">
-                <a:latin typeface="Consolas" panose="020B0609020204030204" pitchFamily="49" charset="0"/>
-              </a:rPr>
-              <a:t> </a:t>
-            </a:r>
-            <a:r>
-              <a:rPr lang="da-DK" sz="2400" b="1">
-                <a:latin typeface="Consolas" panose="020B0609020204030204" pitchFamily="49" charset="0"/>
-              </a:rPr>
-              <a:t>c = </a:t>
-            </a:r>
-            <a:r>
-              <a:rPr lang="da-DK" sz="2400" b="1">
-                <a:solidFill>
-                  <a:srgbClr val="0070C0"/>
-                </a:solidFill>
-                <a:latin typeface="Consolas" panose="020B0609020204030204" pitchFamily="49" charset="0"/>
-              </a:rPr>
-              <a:t>new</a:t>
-            </a:r>
-            <a:r>
-              <a:rPr lang="da-DK" sz="2400" b="1">
-                <a:latin typeface="Consolas" panose="020B0609020204030204" pitchFamily="49" charset="0"/>
-              </a:rPr>
-              <a:t> </a:t>
-            </a:r>
-            <a:r>
-              <a:rPr lang="da-DK" sz="2400" b="1">
-                <a:solidFill>
-                  <a:schemeClr val="accent6">
-                    <a:lumMod val="75000"/>
-                  </a:schemeClr>
-                </a:solidFill>
-                <a:latin typeface="Consolas" panose="020B0609020204030204" pitchFamily="49" charset="0"/>
-              </a:rPr>
-              <a:t>Client</a:t>
-            </a:r>
-            <a:r>
-              <a:rPr lang="da-DK" sz="2400" b="1">
-                <a:latin typeface="Consolas" panose="020B0609020204030204" pitchFamily="49" charset="0"/>
-              </a:rPr>
-              <a:t>(club);</a:t>
-            </a:r>
-          </a:p>
-          <a:p>
-            <a:r>
-              <a:rPr lang="da-DK" sz="2400" b="1" smtClean="0">
-                <a:latin typeface="Consolas" panose="020B0609020204030204" pitchFamily="49" charset="0"/>
-              </a:rPr>
-              <a:t>      c.Run</a:t>
-            </a:r>
-            <a:r>
-              <a:rPr lang="da-DK" sz="2400" b="1">
-                <a:latin typeface="Consolas" panose="020B0609020204030204" pitchFamily="49" charset="0"/>
-              </a:rPr>
-              <a:t>();</a:t>
-            </a:r>
-          </a:p>
-          <a:p>
-            <a:r>
-              <a:rPr lang="da-DK" sz="2400" b="1" smtClean="0">
-                <a:latin typeface="Consolas" panose="020B0609020204030204" pitchFamily="49" charset="0"/>
-              </a:rPr>
-              <a:t>   }</a:t>
-            </a:r>
-            <a:endParaRPr lang="da-DK" sz="2400" b="1">
-              <a:latin typeface="Consolas" panose="020B0609020204030204" pitchFamily="49" charset="0"/>
-            </a:endParaRPr>
-          </a:p>
-          <a:p>
-            <a:r>
-              <a:rPr lang="da-DK" sz="2400" b="1" smtClean="0">
-                <a:latin typeface="Consolas" panose="020B0609020204030204" pitchFamily="49" charset="0"/>
-              </a:rPr>
-              <a:t>}</a:t>
-            </a:r>
-          </a:p>
-        </p:txBody>
-      </p:sp>
-    </p:spTree>
-    <p:extLst>
-      <p:ext uri="{BB962C8B-B14F-4D97-AF65-F5344CB8AC3E}">
-        <p14:creationId xmlns:p14="http://schemas.microsoft.com/office/powerpoint/2010/main" val="765906224"/>
-      </p:ext>
-    </p:extLst>
-  </p:cSld>
-  <p:clrMapOvr>
-    <a:masterClrMapping/>
-  </p:clrMapOvr>
-  <mc:AlternateContent xmlns:mc="http://schemas.openxmlformats.org/markup-compatibility/2006" xmlns:p14="http://schemas.microsoft.com/office/powerpoint/2010/main">
-    <mc:Choice Requires="p14">
-      <p:transition p14:dur="0"/>
-    </mc:Choice>
-    <mc:Fallback xmlns="">
-      <p:transition/>
-    </mc:Fallback>
-  </mc:AlternateContent>
-  <p:timing>
-    <p:tnLst>
-      <p:par>
         <p:cTn id="1" dur="indefinite" restart="never" nodeType="tmRoot"/>
       </p:par>
     </p:tnLst>
@@ -9772,7 +9815,7 @@
 </p:sld>
 </file>
 
-<file path=ppt/slides/slide28.xml><?xml version="1.0" encoding="utf-8"?>
+<file path=ppt/slides/slide29.xml><?xml version="1.0" encoding="utf-8"?>
 <p:sld xmlns:a="http://schemas.openxmlformats.org/drawingml/2006/main" xmlns:r="http://schemas.openxmlformats.org/officeDocument/2006/relationships" xmlns:p="http://schemas.openxmlformats.org/presentationml/2006/main">
   <p:cSld>
     <p:spTree>
@@ -10364,6 +10407,13 @@
   <p:clrMapOvr>
     <a:masterClrMapping/>
   </p:clrMapOvr>
+  <p:timing>
+    <p:tnLst>
+      <p:par>
+        <p:cTn id="1" dur="indefinite" restart="never" nodeType="tmRoot"/>
+      </p:par>
+    </p:tnLst>
+  </p:timing>
 </p:sld>
 </file>
 
@@ -10728,7 +10778,7 @@
         </p:nvSpPr>
         <p:spPr>
           <a:xfrm>
-            <a:off x="5976910" y="4282195"/>
+            <a:off x="5976910" y="5013715"/>
             <a:ext cx="3347074" cy="918098"/>
           </a:xfrm>
           <a:prstGeom prst="roundRect">
@@ -10774,7 +10824,7 @@
         </p:nvSpPr>
         <p:spPr>
           <a:xfrm>
-            <a:off x="5976910" y="1336979"/>
+            <a:off x="5976910" y="605459"/>
             <a:ext cx="3347074" cy="918098"/>
           </a:xfrm>
           <a:prstGeom prst="roundRect">
@@ -10818,10 +10868,133 @@
           </a:p>
         </p:txBody>
       </p:sp>
+      <p:cxnSp>
+        <p:nvCxnSpPr>
+          <p:cNvPr id="6" name="Vinklet forbindelse 2"/>
+          <p:cNvCxnSpPr>
+            <a:stCxn id="10" idx="0"/>
+            <a:endCxn id="18" idx="2"/>
+          </p:cNvCxnSpPr>
+          <p:nvPr/>
+        </p:nvCxnSpPr>
+        <p:spPr>
+          <a:xfrm flipV="1">
+            <a:off x="7650447" y="1523557"/>
+            <a:ext cx="0" cy="1286030"/>
+          </a:xfrm>
+          <a:prstGeom prst="straightConnector1">
+            <a:avLst/>
+          </a:prstGeom>
+          <a:ln w="76200">
+            <a:solidFill>
+              <a:schemeClr val="tx1"/>
+            </a:solidFill>
+            <a:headEnd w="lg" len="lg"/>
+            <a:tailEnd type="triangle" w="lg" len="lg"/>
+          </a:ln>
+        </p:spPr>
+        <p:style>
+          <a:lnRef idx="1">
+            <a:schemeClr val="accent1"/>
+          </a:lnRef>
+          <a:fillRef idx="0">
+            <a:schemeClr val="accent1"/>
+          </a:fillRef>
+          <a:effectRef idx="0">
+            <a:schemeClr val="accent1"/>
+          </a:effectRef>
+          <a:fontRef idx="minor">
+            <a:schemeClr val="tx1"/>
+          </a:fontRef>
+        </p:style>
+      </p:cxnSp>
+      <p:cxnSp>
+        <p:nvCxnSpPr>
+          <p:cNvPr id="9" name="Vinklet forbindelse 2"/>
+          <p:cNvCxnSpPr>
+            <a:stCxn id="8" idx="0"/>
+            <a:endCxn id="10" idx="2"/>
+          </p:cNvCxnSpPr>
+          <p:nvPr/>
+        </p:nvCxnSpPr>
+        <p:spPr>
+          <a:xfrm flipV="1">
+            <a:off x="7650447" y="3727685"/>
+            <a:ext cx="0" cy="1286030"/>
+          </a:xfrm>
+          <a:prstGeom prst="straightConnector1">
+            <a:avLst/>
+          </a:prstGeom>
+          <a:ln w="76200">
+            <a:solidFill>
+              <a:schemeClr val="tx1"/>
+            </a:solidFill>
+            <a:headEnd w="lg" len="lg"/>
+            <a:tailEnd type="triangle" w="lg" len="lg"/>
+          </a:ln>
+        </p:spPr>
+        <p:style>
+          <a:lnRef idx="1">
+            <a:schemeClr val="accent1"/>
+          </a:lnRef>
+          <a:fillRef idx="0">
+            <a:schemeClr val="accent1"/>
+          </a:fillRef>
+          <a:effectRef idx="0">
+            <a:schemeClr val="accent1"/>
+          </a:effectRef>
+          <a:fontRef idx="minor">
+            <a:schemeClr val="tx1"/>
+          </a:fontRef>
+        </p:style>
+      </p:cxnSp>
+      <p:cxnSp>
+        <p:nvCxnSpPr>
+          <p:cNvPr id="13" name="Vinklet forbindelse 2"/>
+          <p:cNvCxnSpPr>
+            <a:stCxn id="4" idx="3"/>
+            <a:endCxn id="18" idx="1"/>
+          </p:cNvCxnSpPr>
+          <p:nvPr/>
+        </p:nvCxnSpPr>
+        <p:spPr>
+          <a:xfrm flipV="1">
+            <a:off x="3466857" y="1064508"/>
+            <a:ext cx="2510053" cy="2204128"/>
+          </a:xfrm>
+          <a:prstGeom prst="straightConnector1">
+            <a:avLst/>
+          </a:prstGeom>
+          <a:ln w="76200">
+            <a:solidFill>
+              <a:schemeClr val="bg1">
+                <a:lumMod val="50000"/>
+              </a:schemeClr>
+            </a:solidFill>
+            <a:prstDash val="sysDot"/>
+            <a:headEnd w="lg" len="lg"/>
+            <a:tailEnd type="arrow" w="lg" len="lg"/>
+          </a:ln>
+        </p:spPr>
+        <p:style>
+          <a:lnRef idx="1">
+            <a:schemeClr val="accent1"/>
+          </a:lnRef>
+          <a:fillRef idx="0">
+            <a:schemeClr val="accent1"/>
+          </a:fillRef>
+          <a:effectRef idx="0">
+            <a:schemeClr val="accent1"/>
+          </a:effectRef>
+          <a:fontRef idx="minor">
+            <a:schemeClr val="tx1"/>
+          </a:fontRef>
+        </p:style>
+      </p:cxnSp>
     </p:spTree>
     <p:extLst>
       <p:ext uri="{BB962C8B-B14F-4D97-AF65-F5344CB8AC3E}">
-        <p14:creationId xmlns:p14="http://schemas.microsoft.com/office/powerpoint/2010/main" val="1854217682"/>
+        <p14:creationId xmlns:p14="http://schemas.microsoft.com/office/powerpoint/2010/main" val="3980748310"/>
       </p:ext>
     </p:extLst>
   </p:cSld>
@@ -10839,250 +11012,9 @@
   <p:timing>
     <p:tnLst>
       <p:par>
-        <p:cTn id="1" dur="indefinite" restart="never" nodeType="tmRoot">
-          <p:childTnLst>
-            <p:seq concurrent="1" nextAc="seek">
-              <p:cTn id="2" dur="indefinite" nodeType="mainSeq">
-                <p:childTnLst>
-                  <p:par>
-                    <p:cTn id="3" fill="hold">
-                      <p:stCondLst>
-                        <p:cond delay="indefinite"/>
-                      </p:stCondLst>
-                      <p:childTnLst>
-                        <p:par>
-                          <p:cTn id="4" fill="hold">
-                            <p:stCondLst>
-                              <p:cond delay="0"/>
-                            </p:stCondLst>
-                            <p:childTnLst>
-                              <p:par>
-                                <p:cTn id="5" presetID="10" presetClass="entr" presetSubtype="0" fill="hold" grpId="0" nodeType="clickEffect">
-                                  <p:stCondLst>
-                                    <p:cond delay="0"/>
-                                  </p:stCondLst>
-                                  <p:childTnLst>
-                                    <p:set>
-                                      <p:cBhvr>
-                                        <p:cTn id="6" dur="1" fill="hold">
-                                          <p:stCondLst>
-                                            <p:cond delay="0"/>
-                                          </p:stCondLst>
-                                        </p:cTn>
-                                        <p:tgtEl>
-                                          <p:spTgt spid="8"/>
-                                        </p:tgtEl>
-                                        <p:attrNameLst>
-                                          <p:attrName>style.visibility</p:attrName>
-                                        </p:attrNameLst>
-                                      </p:cBhvr>
-                                      <p:to>
-                                        <p:strVal val="visible"/>
-                                      </p:to>
-                                    </p:set>
-                                    <p:animEffect transition="in" filter="fade">
-                                      <p:cBhvr>
-                                        <p:cTn id="7" dur="500"/>
-                                        <p:tgtEl>
-                                          <p:spTgt spid="8"/>
-                                        </p:tgtEl>
-                                      </p:cBhvr>
-                                    </p:animEffect>
-                                  </p:childTnLst>
-                                </p:cTn>
-                              </p:par>
-                            </p:childTnLst>
-                          </p:cTn>
-                        </p:par>
-                      </p:childTnLst>
-                    </p:cTn>
-                  </p:par>
-                  <p:par>
-                    <p:cTn id="8" fill="hold">
-                      <p:stCondLst>
-                        <p:cond delay="indefinite"/>
-                      </p:stCondLst>
-                      <p:childTnLst>
-                        <p:par>
-                          <p:cTn id="9" fill="hold">
-                            <p:stCondLst>
-                              <p:cond delay="0"/>
-                            </p:stCondLst>
-                            <p:childTnLst>
-                              <p:par>
-                                <p:cTn id="10" presetID="10" presetClass="entr" presetSubtype="0" fill="hold" grpId="0" nodeType="clickEffect">
-                                  <p:stCondLst>
-                                    <p:cond delay="0"/>
-                                  </p:stCondLst>
-                                  <p:childTnLst>
-                                    <p:set>
-                                      <p:cBhvr>
-                                        <p:cTn id="11" dur="1" fill="hold">
-                                          <p:stCondLst>
-                                            <p:cond delay="0"/>
-                                          </p:stCondLst>
-                                        </p:cTn>
-                                        <p:tgtEl>
-                                          <p:spTgt spid="10"/>
-                                        </p:tgtEl>
-                                        <p:attrNameLst>
-                                          <p:attrName>style.visibility</p:attrName>
-                                        </p:attrNameLst>
-                                      </p:cBhvr>
-                                      <p:to>
-                                        <p:strVal val="visible"/>
-                                      </p:to>
-                                    </p:set>
-                                    <p:animEffect transition="in" filter="fade">
-                                      <p:cBhvr>
-                                        <p:cTn id="12" dur="500"/>
-                                        <p:tgtEl>
-                                          <p:spTgt spid="10"/>
-                                        </p:tgtEl>
-                                      </p:cBhvr>
-                                    </p:animEffect>
-                                  </p:childTnLst>
-                                </p:cTn>
-                              </p:par>
-                            </p:childTnLst>
-                          </p:cTn>
-                        </p:par>
-                      </p:childTnLst>
-                    </p:cTn>
-                  </p:par>
-                  <p:par>
-                    <p:cTn id="13" fill="hold">
-                      <p:stCondLst>
-                        <p:cond delay="indefinite"/>
-                      </p:stCondLst>
-                      <p:childTnLst>
-                        <p:par>
-                          <p:cTn id="14" fill="hold">
-                            <p:stCondLst>
-                              <p:cond delay="0"/>
-                            </p:stCondLst>
-                            <p:childTnLst>
-                              <p:par>
-                                <p:cTn id="15" presetID="10" presetClass="entr" presetSubtype="0" fill="hold" grpId="0" nodeType="clickEffect">
-                                  <p:stCondLst>
-                                    <p:cond delay="0"/>
-                                  </p:stCondLst>
-                                  <p:childTnLst>
-                                    <p:set>
-                                      <p:cBhvr>
-                                        <p:cTn id="16" dur="1" fill="hold">
-                                          <p:stCondLst>
-                                            <p:cond delay="0"/>
-                                          </p:stCondLst>
-                                        </p:cTn>
-                                        <p:tgtEl>
-                                          <p:spTgt spid="18"/>
-                                        </p:tgtEl>
-                                        <p:attrNameLst>
-                                          <p:attrName>style.visibility</p:attrName>
-                                        </p:attrNameLst>
-                                      </p:cBhvr>
-                                      <p:to>
-                                        <p:strVal val="visible"/>
-                                      </p:to>
-                                    </p:set>
-                                    <p:animEffect transition="in" filter="fade">
-                                      <p:cBhvr>
-                                        <p:cTn id="17" dur="500"/>
-                                        <p:tgtEl>
-                                          <p:spTgt spid="18"/>
-                                        </p:tgtEl>
-                                      </p:cBhvr>
-                                    </p:animEffect>
-                                  </p:childTnLst>
-                                </p:cTn>
-                              </p:par>
-                            </p:childTnLst>
-                          </p:cTn>
-                        </p:par>
-                      </p:childTnLst>
-                    </p:cTn>
-                  </p:par>
-                  <p:par>
-                    <p:cTn id="18" fill="hold">
-                      <p:stCondLst>
-                        <p:cond delay="indefinite"/>
-                      </p:stCondLst>
-                      <p:childTnLst>
-                        <p:par>
-                          <p:cTn id="19" fill="hold">
-                            <p:stCondLst>
-                              <p:cond delay="0"/>
-                            </p:stCondLst>
-                            <p:childTnLst>
-                              <p:par>
-                                <p:cTn id="20" presetID="10" presetClass="entr" presetSubtype="0" fill="hold" grpId="0" nodeType="clickEffect">
-                                  <p:stCondLst>
-                                    <p:cond delay="0"/>
-                                  </p:stCondLst>
-                                  <p:childTnLst>
-                                    <p:set>
-                                      <p:cBhvr>
-                                        <p:cTn id="21" dur="1" fill="hold">
-                                          <p:stCondLst>
-                                            <p:cond delay="0"/>
-                                          </p:stCondLst>
-                                        </p:cTn>
-                                        <p:tgtEl>
-                                          <p:spTgt spid="4"/>
-                                        </p:tgtEl>
-                                        <p:attrNameLst>
-                                          <p:attrName>style.visibility</p:attrName>
-                                        </p:attrNameLst>
-                                      </p:cBhvr>
-                                      <p:to>
-                                        <p:strVal val="visible"/>
-                                      </p:to>
-                                    </p:set>
-                                    <p:animEffect transition="in" filter="fade">
-                                      <p:cBhvr>
-                                        <p:cTn id="22" dur="500"/>
-                                        <p:tgtEl>
-                                          <p:spTgt spid="4"/>
-                                        </p:tgtEl>
-                                      </p:cBhvr>
-                                    </p:animEffect>
-                                  </p:childTnLst>
-                                </p:cTn>
-                              </p:par>
-                            </p:childTnLst>
-                          </p:cTn>
-                        </p:par>
-                      </p:childTnLst>
-                    </p:cTn>
-                  </p:par>
-                </p:childTnLst>
-              </p:cTn>
-              <p:prevCondLst>
-                <p:cond evt="onPrev" delay="0">
-                  <p:tgtEl>
-                    <p:sldTgt/>
-                  </p:tgtEl>
-                </p:cond>
-              </p:prevCondLst>
-              <p:nextCondLst>
-                <p:cond evt="onNext" delay="0">
-                  <p:tgtEl>
-                    <p:sldTgt/>
-                  </p:tgtEl>
-                </p:cond>
-              </p:nextCondLst>
-            </p:seq>
-          </p:childTnLst>
-        </p:cTn>
+        <p:cTn id="1" dur="indefinite" restart="never" nodeType="tmRoot"/>
       </p:par>
     </p:tnLst>
-    <p:bldLst>
-      <p:bldP spid="10" grpId="0" animBg="1"/>
-      <p:bldP spid="4" grpId="0" animBg="1"/>
-      <p:bldP spid="8" grpId="0" animBg="1"/>
-      <p:bldP spid="18" grpId="0" animBg="1"/>
-    </p:bldLst>
   </p:timing>
 </p:sld>
 </file>
